--- a/WebContent/img/menu.pptx
+++ b/WebContent/img/menu.pptx
@@ -5,7 +5,7 @@
     <p:sldMasterId id="2147483648" r:id="rId1"/>
   </p:sldMasterIdLst>
   <p:sldIdLst>
-    <p:sldId id="256" r:id="rId2"/>
+    <p:sldId id="257" r:id="rId2"/>
   </p:sldIdLst>
   <p:sldSz cx="12192000" cy="6858000"/>
   <p:notesSz cx="6858000" cy="9144000"/>
@@ -104,6 +104,22 @@
       </a:defRPr>
     </a:lvl9pPr>
   </p:defaultTextStyle>
+  <p:extLst>
+    <p:ext uri="{EFAFB233-063F-42B5-8137-9DF3F51BA10A}">
+      <p15:sldGuideLst xmlns:p15="http://schemas.microsoft.com/office/powerpoint/2012/main">
+        <p15:guide id="1" orient="horz" pos="2160" userDrawn="1">
+          <p15:clr>
+            <a:srgbClr val="A4A3A4"/>
+          </p15:clr>
+        </p15:guide>
+        <p15:guide id="2" pos="3840" userDrawn="1">
+          <p15:clr>
+            <a:srgbClr val="A4A3A4"/>
+          </p15:clr>
+        </p15:guide>
+      </p15:sldGuideLst>
+    </p:ext>
+  </p:extLst>
 </p:presentation>
 </file>
 
@@ -236,9 +252,9 @@
           <a:bodyPr/>
           <a:lstStyle/>
           <a:p>
-            <a:fld id="{A0F9D0FD-C0F8-4159-B34A-CDED67094125}" type="datetimeFigureOut">
-              <a:rPr lang="ko-KR" altLang="en-US" smtClean="0"/>
-              <a:t>2019-07-16</a:t>
+            <a:fld id="{8313EC50-5CC4-4C12-9A42-886F3FFB4EDF}" type="datetimeFigureOut">
+              <a:rPr lang="ko-KR" altLang="en-US" smtClean="0"/>
+              <a:t>2019-07-22</a:t>
             </a:fld>
             <a:endParaRPr lang="ko-KR" altLang="en-US"/>
           </a:p>
@@ -278,7 +294,7 @@
           <a:bodyPr/>
           <a:lstStyle/>
           <a:p>
-            <a:fld id="{870BD7CE-F619-4C81-90CD-B90ECDDDC67C}" type="slidenum">
+            <a:fld id="{2EEF677E-AB15-47FC-8E31-525AFAB2272E}" type="slidenum">
               <a:rPr lang="ko-KR" altLang="en-US" smtClean="0"/>
               <a:t>‹#›</a:t>
             </a:fld>
@@ -289,7 +305,7 @@
     </p:spTree>
     <p:extLst>
       <p:ext uri="{BB962C8B-B14F-4D97-AF65-F5344CB8AC3E}">
-        <p14:creationId xmlns:p14="http://schemas.microsoft.com/office/powerpoint/2010/main" val="3786563332"/>
+        <p14:creationId xmlns:p14="http://schemas.microsoft.com/office/powerpoint/2010/main" val="721949063"/>
       </p:ext>
     </p:extLst>
   </p:cSld>
@@ -406,9 +422,9 @@
           <a:bodyPr/>
           <a:lstStyle/>
           <a:p>
-            <a:fld id="{A0F9D0FD-C0F8-4159-B34A-CDED67094125}" type="datetimeFigureOut">
-              <a:rPr lang="ko-KR" altLang="en-US" smtClean="0"/>
-              <a:t>2019-07-16</a:t>
+            <a:fld id="{8313EC50-5CC4-4C12-9A42-886F3FFB4EDF}" type="datetimeFigureOut">
+              <a:rPr lang="ko-KR" altLang="en-US" smtClean="0"/>
+              <a:t>2019-07-22</a:t>
             </a:fld>
             <a:endParaRPr lang="ko-KR" altLang="en-US"/>
           </a:p>
@@ -448,7 +464,7 @@
           <a:bodyPr/>
           <a:lstStyle/>
           <a:p>
-            <a:fld id="{870BD7CE-F619-4C81-90CD-B90ECDDDC67C}" type="slidenum">
+            <a:fld id="{2EEF677E-AB15-47FC-8E31-525AFAB2272E}" type="slidenum">
               <a:rPr lang="ko-KR" altLang="en-US" smtClean="0"/>
               <a:t>‹#›</a:t>
             </a:fld>
@@ -459,7 +475,7 @@
     </p:spTree>
     <p:extLst>
       <p:ext uri="{BB962C8B-B14F-4D97-AF65-F5344CB8AC3E}">
-        <p14:creationId xmlns:p14="http://schemas.microsoft.com/office/powerpoint/2010/main" val="768206872"/>
+        <p14:creationId xmlns:p14="http://schemas.microsoft.com/office/powerpoint/2010/main" val="88172318"/>
       </p:ext>
     </p:extLst>
   </p:cSld>
@@ -586,9 +602,9 @@
           <a:bodyPr/>
           <a:lstStyle/>
           <a:p>
-            <a:fld id="{A0F9D0FD-C0F8-4159-B34A-CDED67094125}" type="datetimeFigureOut">
-              <a:rPr lang="ko-KR" altLang="en-US" smtClean="0"/>
-              <a:t>2019-07-16</a:t>
+            <a:fld id="{8313EC50-5CC4-4C12-9A42-886F3FFB4EDF}" type="datetimeFigureOut">
+              <a:rPr lang="ko-KR" altLang="en-US" smtClean="0"/>
+              <a:t>2019-07-22</a:t>
             </a:fld>
             <a:endParaRPr lang="ko-KR" altLang="en-US"/>
           </a:p>
@@ -628,7 +644,7 @@
           <a:bodyPr/>
           <a:lstStyle/>
           <a:p>
-            <a:fld id="{870BD7CE-F619-4C81-90CD-B90ECDDDC67C}" type="slidenum">
+            <a:fld id="{2EEF677E-AB15-47FC-8E31-525AFAB2272E}" type="slidenum">
               <a:rPr lang="ko-KR" altLang="en-US" smtClean="0"/>
               <a:t>‹#›</a:t>
             </a:fld>
@@ -639,7 +655,7 @@
     </p:spTree>
     <p:extLst>
       <p:ext uri="{BB962C8B-B14F-4D97-AF65-F5344CB8AC3E}">
-        <p14:creationId xmlns:p14="http://schemas.microsoft.com/office/powerpoint/2010/main" val="293679698"/>
+        <p14:creationId xmlns:p14="http://schemas.microsoft.com/office/powerpoint/2010/main" val="2044875588"/>
       </p:ext>
     </p:extLst>
   </p:cSld>
@@ -756,9 +772,9 @@
           <a:bodyPr/>
           <a:lstStyle/>
           <a:p>
-            <a:fld id="{A0F9D0FD-C0F8-4159-B34A-CDED67094125}" type="datetimeFigureOut">
-              <a:rPr lang="ko-KR" altLang="en-US" smtClean="0"/>
-              <a:t>2019-07-16</a:t>
+            <a:fld id="{8313EC50-5CC4-4C12-9A42-886F3FFB4EDF}" type="datetimeFigureOut">
+              <a:rPr lang="ko-KR" altLang="en-US" smtClean="0"/>
+              <a:t>2019-07-22</a:t>
             </a:fld>
             <a:endParaRPr lang="ko-KR" altLang="en-US"/>
           </a:p>
@@ -798,7 +814,7 @@
           <a:bodyPr/>
           <a:lstStyle/>
           <a:p>
-            <a:fld id="{870BD7CE-F619-4C81-90CD-B90ECDDDC67C}" type="slidenum">
+            <a:fld id="{2EEF677E-AB15-47FC-8E31-525AFAB2272E}" type="slidenum">
               <a:rPr lang="ko-KR" altLang="en-US" smtClean="0"/>
               <a:t>‹#›</a:t>
             </a:fld>
@@ -809,7 +825,7 @@
     </p:spTree>
     <p:extLst>
       <p:ext uri="{BB962C8B-B14F-4D97-AF65-F5344CB8AC3E}">
-        <p14:creationId xmlns:p14="http://schemas.microsoft.com/office/powerpoint/2010/main" val="2789425040"/>
+        <p14:creationId xmlns:p14="http://schemas.microsoft.com/office/powerpoint/2010/main" val="3522332613"/>
       </p:ext>
     </p:extLst>
   </p:cSld>
@@ -1002,9 +1018,9 @@
           <a:bodyPr/>
           <a:lstStyle/>
           <a:p>
-            <a:fld id="{A0F9D0FD-C0F8-4159-B34A-CDED67094125}" type="datetimeFigureOut">
-              <a:rPr lang="ko-KR" altLang="en-US" smtClean="0"/>
-              <a:t>2019-07-16</a:t>
+            <a:fld id="{8313EC50-5CC4-4C12-9A42-886F3FFB4EDF}" type="datetimeFigureOut">
+              <a:rPr lang="ko-KR" altLang="en-US" smtClean="0"/>
+              <a:t>2019-07-22</a:t>
             </a:fld>
             <a:endParaRPr lang="ko-KR" altLang="en-US"/>
           </a:p>
@@ -1044,7 +1060,7 @@
           <a:bodyPr/>
           <a:lstStyle/>
           <a:p>
-            <a:fld id="{870BD7CE-F619-4C81-90CD-B90ECDDDC67C}" type="slidenum">
+            <a:fld id="{2EEF677E-AB15-47FC-8E31-525AFAB2272E}" type="slidenum">
               <a:rPr lang="ko-KR" altLang="en-US" smtClean="0"/>
               <a:t>‹#›</a:t>
             </a:fld>
@@ -1055,7 +1071,7 @@
     </p:spTree>
     <p:extLst>
       <p:ext uri="{BB962C8B-B14F-4D97-AF65-F5344CB8AC3E}">
-        <p14:creationId xmlns:p14="http://schemas.microsoft.com/office/powerpoint/2010/main" val="3920525795"/>
+        <p14:creationId xmlns:p14="http://schemas.microsoft.com/office/powerpoint/2010/main" val="1222307377"/>
       </p:ext>
     </p:extLst>
   </p:cSld>
@@ -1234,9 +1250,9 @@
           <a:bodyPr/>
           <a:lstStyle/>
           <a:p>
-            <a:fld id="{A0F9D0FD-C0F8-4159-B34A-CDED67094125}" type="datetimeFigureOut">
-              <a:rPr lang="ko-KR" altLang="en-US" smtClean="0"/>
-              <a:t>2019-07-16</a:t>
+            <a:fld id="{8313EC50-5CC4-4C12-9A42-886F3FFB4EDF}" type="datetimeFigureOut">
+              <a:rPr lang="ko-KR" altLang="en-US" smtClean="0"/>
+              <a:t>2019-07-22</a:t>
             </a:fld>
             <a:endParaRPr lang="ko-KR" altLang="en-US"/>
           </a:p>
@@ -1276,7 +1292,7 @@
           <a:bodyPr/>
           <a:lstStyle/>
           <a:p>
-            <a:fld id="{870BD7CE-F619-4C81-90CD-B90ECDDDC67C}" type="slidenum">
+            <a:fld id="{2EEF677E-AB15-47FC-8E31-525AFAB2272E}" type="slidenum">
               <a:rPr lang="ko-KR" altLang="en-US" smtClean="0"/>
               <a:t>‹#›</a:t>
             </a:fld>
@@ -1287,7 +1303,7 @@
     </p:spTree>
     <p:extLst>
       <p:ext uri="{BB962C8B-B14F-4D97-AF65-F5344CB8AC3E}">
-        <p14:creationId xmlns:p14="http://schemas.microsoft.com/office/powerpoint/2010/main" val="1498848040"/>
+        <p14:creationId xmlns:p14="http://schemas.microsoft.com/office/powerpoint/2010/main" val="180158672"/>
       </p:ext>
     </p:extLst>
   </p:cSld>
@@ -1601,9 +1617,9 @@
           <a:bodyPr/>
           <a:lstStyle/>
           <a:p>
-            <a:fld id="{A0F9D0FD-C0F8-4159-B34A-CDED67094125}" type="datetimeFigureOut">
-              <a:rPr lang="ko-KR" altLang="en-US" smtClean="0"/>
-              <a:t>2019-07-16</a:t>
+            <a:fld id="{8313EC50-5CC4-4C12-9A42-886F3FFB4EDF}" type="datetimeFigureOut">
+              <a:rPr lang="ko-KR" altLang="en-US" smtClean="0"/>
+              <a:t>2019-07-22</a:t>
             </a:fld>
             <a:endParaRPr lang="ko-KR" altLang="en-US"/>
           </a:p>
@@ -1643,7 +1659,7 @@
           <a:bodyPr/>
           <a:lstStyle/>
           <a:p>
-            <a:fld id="{870BD7CE-F619-4C81-90CD-B90ECDDDC67C}" type="slidenum">
+            <a:fld id="{2EEF677E-AB15-47FC-8E31-525AFAB2272E}" type="slidenum">
               <a:rPr lang="ko-KR" altLang="en-US" smtClean="0"/>
               <a:t>‹#›</a:t>
             </a:fld>
@@ -1654,7 +1670,7 @@
     </p:spTree>
     <p:extLst>
       <p:ext uri="{BB962C8B-B14F-4D97-AF65-F5344CB8AC3E}">
-        <p14:creationId xmlns:p14="http://schemas.microsoft.com/office/powerpoint/2010/main" val="1722074270"/>
+        <p14:creationId xmlns:p14="http://schemas.microsoft.com/office/powerpoint/2010/main" val="3212051162"/>
       </p:ext>
     </p:extLst>
   </p:cSld>
@@ -1719,9 +1735,9 @@
           <a:bodyPr/>
           <a:lstStyle/>
           <a:p>
-            <a:fld id="{A0F9D0FD-C0F8-4159-B34A-CDED67094125}" type="datetimeFigureOut">
-              <a:rPr lang="ko-KR" altLang="en-US" smtClean="0"/>
-              <a:t>2019-07-16</a:t>
+            <a:fld id="{8313EC50-5CC4-4C12-9A42-886F3FFB4EDF}" type="datetimeFigureOut">
+              <a:rPr lang="ko-KR" altLang="en-US" smtClean="0"/>
+              <a:t>2019-07-22</a:t>
             </a:fld>
             <a:endParaRPr lang="ko-KR" altLang="en-US"/>
           </a:p>
@@ -1761,7 +1777,7 @@
           <a:bodyPr/>
           <a:lstStyle/>
           <a:p>
-            <a:fld id="{870BD7CE-F619-4C81-90CD-B90ECDDDC67C}" type="slidenum">
+            <a:fld id="{2EEF677E-AB15-47FC-8E31-525AFAB2272E}" type="slidenum">
               <a:rPr lang="ko-KR" altLang="en-US" smtClean="0"/>
               <a:t>‹#›</a:t>
             </a:fld>
@@ -1772,7 +1788,7 @@
     </p:spTree>
     <p:extLst>
       <p:ext uri="{BB962C8B-B14F-4D97-AF65-F5344CB8AC3E}">
-        <p14:creationId xmlns:p14="http://schemas.microsoft.com/office/powerpoint/2010/main" val="3931956067"/>
+        <p14:creationId xmlns:p14="http://schemas.microsoft.com/office/powerpoint/2010/main" val="384470966"/>
       </p:ext>
     </p:extLst>
   </p:cSld>
@@ -1814,9 +1830,9 @@
           <a:bodyPr/>
           <a:lstStyle/>
           <a:p>
-            <a:fld id="{A0F9D0FD-C0F8-4159-B34A-CDED67094125}" type="datetimeFigureOut">
-              <a:rPr lang="ko-KR" altLang="en-US" smtClean="0"/>
-              <a:t>2019-07-16</a:t>
+            <a:fld id="{8313EC50-5CC4-4C12-9A42-886F3FFB4EDF}" type="datetimeFigureOut">
+              <a:rPr lang="ko-KR" altLang="en-US" smtClean="0"/>
+              <a:t>2019-07-22</a:t>
             </a:fld>
             <a:endParaRPr lang="ko-KR" altLang="en-US"/>
           </a:p>
@@ -1856,7 +1872,7 @@
           <a:bodyPr/>
           <a:lstStyle/>
           <a:p>
-            <a:fld id="{870BD7CE-F619-4C81-90CD-B90ECDDDC67C}" type="slidenum">
+            <a:fld id="{2EEF677E-AB15-47FC-8E31-525AFAB2272E}" type="slidenum">
               <a:rPr lang="ko-KR" altLang="en-US" smtClean="0"/>
               <a:t>‹#›</a:t>
             </a:fld>
@@ -1867,7 +1883,7 @@
     </p:spTree>
     <p:extLst>
       <p:ext uri="{BB962C8B-B14F-4D97-AF65-F5344CB8AC3E}">
-        <p14:creationId xmlns:p14="http://schemas.microsoft.com/office/powerpoint/2010/main" val="452599783"/>
+        <p14:creationId xmlns:p14="http://schemas.microsoft.com/office/powerpoint/2010/main" val="433092498"/>
       </p:ext>
     </p:extLst>
   </p:cSld>
@@ -2091,9 +2107,9 @@
           <a:bodyPr/>
           <a:lstStyle/>
           <a:p>
-            <a:fld id="{A0F9D0FD-C0F8-4159-B34A-CDED67094125}" type="datetimeFigureOut">
-              <a:rPr lang="ko-KR" altLang="en-US" smtClean="0"/>
-              <a:t>2019-07-16</a:t>
+            <a:fld id="{8313EC50-5CC4-4C12-9A42-886F3FFB4EDF}" type="datetimeFigureOut">
+              <a:rPr lang="ko-KR" altLang="en-US" smtClean="0"/>
+              <a:t>2019-07-22</a:t>
             </a:fld>
             <a:endParaRPr lang="ko-KR" altLang="en-US"/>
           </a:p>
@@ -2133,7 +2149,7 @@
           <a:bodyPr/>
           <a:lstStyle/>
           <a:p>
-            <a:fld id="{870BD7CE-F619-4C81-90CD-B90ECDDDC67C}" type="slidenum">
+            <a:fld id="{2EEF677E-AB15-47FC-8E31-525AFAB2272E}" type="slidenum">
               <a:rPr lang="ko-KR" altLang="en-US" smtClean="0"/>
               <a:t>‹#›</a:t>
             </a:fld>
@@ -2144,7 +2160,7 @@
     </p:spTree>
     <p:extLst>
       <p:ext uri="{BB962C8B-B14F-4D97-AF65-F5344CB8AC3E}">
-        <p14:creationId xmlns:p14="http://schemas.microsoft.com/office/powerpoint/2010/main" val="1755485089"/>
+        <p14:creationId xmlns:p14="http://schemas.microsoft.com/office/powerpoint/2010/main" val="4052427601"/>
       </p:ext>
     </p:extLst>
   </p:cSld>
@@ -2344,9 +2360,9 @@
           <a:bodyPr/>
           <a:lstStyle/>
           <a:p>
-            <a:fld id="{A0F9D0FD-C0F8-4159-B34A-CDED67094125}" type="datetimeFigureOut">
-              <a:rPr lang="ko-KR" altLang="en-US" smtClean="0"/>
-              <a:t>2019-07-16</a:t>
+            <a:fld id="{8313EC50-5CC4-4C12-9A42-886F3FFB4EDF}" type="datetimeFigureOut">
+              <a:rPr lang="ko-KR" altLang="en-US" smtClean="0"/>
+              <a:t>2019-07-22</a:t>
             </a:fld>
             <a:endParaRPr lang="ko-KR" altLang="en-US"/>
           </a:p>
@@ -2386,7 +2402,7 @@
           <a:bodyPr/>
           <a:lstStyle/>
           <a:p>
-            <a:fld id="{870BD7CE-F619-4C81-90CD-B90ECDDDC67C}" type="slidenum">
+            <a:fld id="{2EEF677E-AB15-47FC-8E31-525AFAB2272E}" type="slidenum">
               <a:rPr lang="ko-KR" altLang="en-US" smtClean="0"/>
               <a:t>‹#›</a:t>
             </a:fld>
@@ -2397,7 +2413,7 @@
     </p:spTree>
     <p:extLst>
       <p:ext uri="{BB962C8B-B14F-4D97-AF65-F5344CB8AC3E}">
-        <p14:creationId xmlns:p14="http://schemas.microsoft.com/office/powerpoint/2010/main" val="1795429892"/>
+        <p14:creationId xmlns:p14="http://schemas.microsoft.com/office/powerpoint/2010/main" val="220674914"/>
       </p:ext>
     </p:extLst>
   </p:cSld>
@@ -2557,9 +2573,9 @@
             </a:lvl1pPr>
           </a:lstStyle>
           <a:p>
-            <a:fld id="{A0F9D0FD-C0F8-4159-B34A-CDED67094125}" type="datetimeFigureOut">
-              <a:rPr lang="ko-KR" altLang="en-US" smtClean="0"/>
-              <a:t>2019-07-16</a:t>
+            <a:fld id="{8313EC50-5CC4-4C12-9A42-886F3FFB4EDF}" type="datetimeFigureOut">
+              <a:rPr lang="ko-KR" altLang="en-US" smtClean="0"/>
+              <a:t>2019-07-22</a:t>
             </a:fld>
             <a:endParaRPr lang="ko-KR" altLang="en-US"/>
           </a:p>
@@ -2635,7 +2651,7 @@
             </a:lvl1pPr>
           </a:lstStyle>
           <a:p>
-            <a:fld id="{870BD7CE-F619-4C81-90CD-B90ECDDDC67C}" type="slidenum">
+            <a:fld id="{2EEF677E-AB15-47FC-8E31-525AFAB2272E}" type="slidenum">
               <a:rPr lang="ko-KR" altLang="en-US" smtClean="0"/>
               <a:t>‹#›</a:t>
             </a:fld>
@@ -2646,7 +2662,7 @@
     </p:spTree>
     <p:extLst>
       <p:ext uri="{BB962C8B-B14F-4D97-AF65-F5344CB8AC3E}">
-        <p14:creationId xmlns:p14="http://schemas.microsoft.com/office/powerpoint/2010/main" val="1697315062"/>
+        <p14:creationId xmlns:p14="http://schemas.microsoft.com/office/powerpoint/2010/main" val="2045604130"/>
       </p:ext>
     </p:extLst>
   </p:cSld>
@@ -2950,6 +2966,14 @@
 <file path=ppt/slides/slide1.xml><?xml version="1.0" encoding="utf-8"?>
 <p:sld xmlns:a="http://schemas.openxmlformats.org/drawingml/2006/main" xmlns:r="http://schemas.openxmlformats.org/officeDocument/2006/relationships" xmlns:p="http://schemas.openxmlformats.org/presentationml/2006/main">
   <p:cSld>
+    <p:bg>
+      <p:bgPr>
+        <a:solidFill>
+          <a:schemeClr val="bg1"/>
+        </a:solidFill>
+        <a:effectLst/>
+      </p:bgPr>
+    </p:bg>
     <p:spTree>
       <p:nvGrpSpPr>
         <p:cNvPr id="1" name=""/>
@@ -2966,31 +2990,12 @@
       </p:grpSpPr>
       <p:sp>
         <p:nvSpPr>
-          <p:cNvPr id="2" name="제목 1"/>
-          <p:cNvSpPr>
-            <a:spLocks noGrp="1"/>
-          </p:cNvSpPr>
-          <p:nvPr>
-            <p:ph type="ctrTitle"/>
-          </p:nvPr>
-        </p:nvSpPr>
-        <p:spPr/>
-        <p:txBody>
-          <a:bodyPr/>
-          <a:lstStyle/>
-          <a:p>
-            <a:endParaRPr lang="ko-KR" altLang="en-US"/>
-          </a:p>
-        </p:txBody>
-      </p:sp>
-      <p:sp>
-        <p:nvSpPr>
-          <p:cNvPr id="3" name="부제목 2"/>
-          <p:cNvSpPr>
-            <a:spLocks noGrp="1"/>
-          </p:cNvSpPr>
-          <p:nvPr>
-            <p:ph type="subTitle" idx="1"/>
+          <p:cNvPr id="3" name="내용 개체 틀 2"/>
+          <p:cNvSpPr>
+            <a:spLocks noGrp="1"/>
+          </p:cNvSpPr>
+          <p:nvPr>
+            <p:ph idx="1"/>
           </p:nvPr>
         </p:nvSpPr>
         <p:spPr/>
@@ -3010,14 +3015,17 @@
         </p:nvSpPr>
         <p:spPr>
           <a:xfrm>
-            <a:off x="0" y="0"/>
-            <a:ext cx="12192000" cy="382385"/>
+            <a:off x="0" y="1"/>
+            <a:ext cx="12192000" cy="376029"/>
           </a:xfrm>
           <a:prstGeom prst="rect">
             <a:avLst/>
           </a:prstGeom>
           <a:solidFill>
-            <a:schemeClr val="bg2"/>
+            <a:schemeClr val="tx2">
+              <a:lumMod val="20000"/>
+              <a:lumOff val="80000"/>
+            </a:schemeClr>
           </a:solidFill>
           <a:ln>
             <a:noFill/>
@@ -3056,8 +3064,8 @@
         </p:nvSpPr>
         <p:spPr>
           <a:xfrm>
-            <a:off x="182878" y="52692"/>
-            <a:ext cx="3401187" cy="276999"/>
+            <a:off x="409656" y="57210"/>
+            <a:ext cx="314510" cy="261610"/>
           </a:xfrm>
           <a:prstGeom prst="rect">
             <a:avLst/>
@@ -3071,23 +3079,140 @@
           <a:lstStyle/>
           <a:p>
             <a:r>
-              <a:rPr lang="en-US" altLang="ko-KR" sz="1200" dirty="0" smtClean="0"/>
-              <a:t>Home    |    Profile    |    Example    |    Form</a:t>
-            </a:r>
-            <a:endParaRPr lang="ko-KR" altLang="en-US" sz="1200" dirty="0"/>
+              <a:rPr lang="ko-KR" altLang="en-US" sz="1100" dirty="0">
+                <a:latin typeface="남양주 고딕 L" panose="02020603020101020101" pitchFamily="18" charset="-127"/>
+                <a:ea typeface="남양주 고딕 L" panose="02020603020101020101" pitchFamily="18" charset="-127"/>
+              </a:rPr>
+              <a:t>홈</a:t>
+            </a:r>
+          </a:p>
+        </p:txBody>
+      </p:sp>
+      <p:sp>
+        <p:nvSpPr>
+          <p:cNvPr id="7" name="TextBox 6"/>
+          <p:cNvSpPr txBox="1"/>
+          <p:nvPr/>
+        </p:nvSpPr>
+        <p:spPr>
+          <a:xfrm>
+            <a:off x="975377" y="57210"/>
+            <a:ext cx="574196" cy="261610"/>
+          </a:xfrm>
+          <a:prstGeom prst="rect">
+            <a:avLst/>
+          </a:prstGeom>
+          <a:noFill/>
+        </p:spPr>
+        <p:txBody>
+          <a:bodyPr wrap="none" rtlCol="0">
+            <a:spAutoFit/>
+          </a:bodyPr>
+          <a:lstStyle/>
+          <a:p>
+            <a:r>
+              <a:rPr lang="ko-KR" altLang="en-US" sz="1100" dirty="0" smtClean="0">
+                <a:latin typeface="남양주 고딕 L" panose="02020603020101020101" pitchFamily="18" charset="-127"/>
+                <a:ea typeface="남양주 고딕 L" panose="02020603020101020101" pitchFamily="18" charset="-127"/>
+              </a:rPr>
+              <a:t>프로필</a:t>
+            </a:r>
+            <a:endParaRPr lang="ko-KR" altLang="en-US" sz="1100" dirty="0">
+              <a:latin typeface="남양주 고딕 L" panose="02020603020101020101" pitchFamily="18" charset="-127"/>
+              <a:ea typeface="남양주 고딕 L" panose="02020603020101020101" pitchFamily="18" charset="-127"/>
+            </a:endParaRPr>
+          </a:p>
+        </p:txBody>
+      </p:sp>
+      <p:sp>
+        <p:nvSpPr>
+          <p:cNvPr id="8" name="TextBox 7"/>
+          <p:cNvSpPr txBox="1"/>
+          <p:nvPr/>
+        </p:nvSpPr>
+        <p:spPr>
+          <a:xfrm>
+            <a:off x="1800784" y="57210"/>
+            <a:ext cx="455574" cy="261610"/>
+          </a:xfrm>
+          <a:prstGeom prst="rect">
+            <a:avLst/>
+          </a:prstGeom>
+          <a:noFill/>
+        </p:spPr>
+        <p:txBody>
+          <a:bodyPr wrap="none" rtlCol="0">
+            <a:spAutoFit/>
+          </a:bodyPr>
+          <a:lstStyle/>
+          <a:p>
+            <a:r>
+              <a:rPr lang="ko-KR" altLang="en-US" sz="1100" dirty="0" smtClean="0">
+                <a:latin typeface="남양주 고딕 L" panose="02020603020101020101" pitchFamily="18" charset="-127"/>
+                <a:ea typeface="남양주 고딕 L" panose="02020603020101020101" pitchFamily="18" charset="-127"/>
+              </a:rPr>
+              <a:t>공부</a:t>
+            </a:r>
+            <a:endParaRPr lang="ko-KR" altLang="en-US" sz="1100" dirty="0">
+              <a:latin typeface="남양주 고딕 L" panose="02020603020101020101" pitchFamily="18" charset="-127"/>
+              <a:ea typeface="남양주 고딕 L" panose="02020603020101020101" pitchFamily="18" charset="-127"/>
+            </a:endParaRPr>
+          </a:p>
+        </p:txBody>
+      </p:sp>
+      <p:sp>
+        <p:nvSpPr>
+          <p:cNvPr id="9" name="TextBox 8"/>
+          <p:cNvSpPr txBox="1"/>
+          <p:nvPr/>
+        </p:nvSpPr>
+        <p:spPr>
+          <a:xfrm>
+            <a:off x="2507569" y="57210"/>
+            <a:ext cx="704039" cy="261610"/>
+          </a:xfrm>
+          <a:prstGeom prst="rect">
+            <a:avLst/>
+          </a:prstGeom>
+          <a:noFill/>
+        </p:spPr>
+        <p:txBody>
+          <a:bodyPr wrap="none" rtlCol="0">
+            <a:spAutoFit/>
+          </a:bodyPr>
+          <a:lstStyle/>
+          <a:p>
+            <a:r>
+              <a:rPr lang="ko-KR" altLang="en-US" sz="1100" dirty="0" smtClean="0">
+                <a:latin typeface="남양주 고딕 L" panose="02020603020101020101" pitchFamily="18" charset="-127"/>
+                <a:ea typeface="남양주 고딕 L" panose="02020603020101020101" pitchFamily="18" charset="-127"/>
+              </a:rPr>
+              <a:t>회원가입</a:t>
+            </a:r>
+            <a:endParaRPr lang="ko-KR" altLang="en-US" sz="1100" dirty="0">
+              <a:latin typeface="남양주 고딕 L" panose="02020603020101020101" pitchFamily="18" charset="-127"/>
+              <a:ea typeface="남양주 고딕 L" panose="02020603020101020101" pitchFamily="18" charset="-127"/>
+            </a:endParaRPr>
           </a:p>
         </p:txBody>
       </p:sp>
     </p:spTree>
     <p:extLst>
       <p:ext uri="{BB962C8B-B14F-4D97-AF65-F5344CB8AC3E}">
-        <p14:creationId xmlns:p14="http://schemas.microsoft.com/office/powerpoint/2010/main" val="2840581255"/>
+        <p14:creationId xmlns:p14="http://schemas.microsoft.com/office/powerpoint/2010/main" val="2954651889"/>
       </p:ext>
     </p:extLst>
   </p:cSld>
   <p:clrMapOvr>
     <a:masterClrMapping/>
   </p:clrMapOvr>
+  <p:timing>
+    <p:tnLst>
+      <p:par>
+        <p:cTn id="1" dur="indefinite" restart="never" nodeType="tmRoot"/>
+      </p:par>
+    </p:tnLst>
+  </p:timing>
 </p:sld>
 </file>
 
